--- a/docs/workflow.pptx
+++ b/docs/workflow.pptx
@@ -5,11 +5,12 @@
     <p:sldMasterId id="2147483660" r:id="rId1"/>
   </p:sldMasterIdLst>
   <p:notesMasterIdLst>
-    <p:notesMasterId r:id="rId4"/>
+    <p:notesMasterId r:id="rId5"/>
   </p:notesMasterIdLst>
   <p:sldIdLst>
     <p:sldId id="256" r:id="rId2"/>
-    <p:sldId id="257" r:id="rId3"/>
+    <p:sldId id="258" r:id="rId3"/>
+    <p:sldId id="257" r:id="rId4"/>
   </p:sldIdLst>
   <p:sldSz cx="12192000" cy="3600450"/>
   <p:notesSz cx="6858000" cy="9144000"/>
@@ -209,7 +210,7 @@
           <a:p>
             <a:fld id="{DB158B2D-0243-4BFD-A8A4-0E589524D365}" type="datetimeFigureOut">
               <a:rPr lang="de-DE" smtClean="0"/>
-              <a:t>18.01.2023</a:t>
+              <a:t>08.04.2025</a:t>
             </a:fld>
             <a:endParaRPr lang="de-DE"/>
           </a:p>
@@ -367,7 +368,7 @@
           <a:p>
             <a:fld id="{64CA6AB9-CE58-4492-AAEA-2EF7322DD8C4}" type="slidenum">
               <a:rPr lang="de-DE" smtClean="0"/>
-              <a:t>‹Nr.›</a:t>
+              <a:t>‹#›</a:t>
             </a:fld>
             <a:endParaRPr lang="de-DE"/>
           </a:p>
@@ -571,6 +572,125 @@
 </p:notes>
 </file>
 
+<file path=ppt/notesSlides/notesSlide2.xml><?xml version="1.0" encoding="utf-8"?>
+<p:notes xmlns:a="http://schemas.openxmlformats.org/drawingml/2006/main" xmlns:r="http://schemas.openxmlformats.org/officeDocument/2006/relationships" xmlns:p="http://schemas.openxmlformats.org/presentationml/2006/main">
+  <p:cSld>
+    <p:spTree>
+      <p:nvGrpSpPr>
+        <p:cNvPr id="1" name="">
+          <a:extLst>
+            <a:ext uri="{FF2B5EF4-FFF2-40B4-BE49-F238E27FC236}">
+              <a16:creationId xmlns:a16="http://schemas.microsoft.com/office/drawing/2014/main" id="{E96EC85D-3781-83B4-E663-2419A3169085}"/>
+            </a:ext>
+          </a:extLst>
+        </p:cNvPr>
+        <p:cNvGrpSpPr/>
+        <p:nvPr/>
+      </p:nvGrpSpPr>
+      <p:grpSpPr>
+        <a:xfrm>
+          <a:off x="0" y="0"/>
+          <a:ext cx="0" cy="0"/>
+          <a:chOff x="0" y="0"/>
+          <a:chExt cx="0" cy="0"/>
+        </a:xfrm>
+      </p:grpSpPr>
+      <p:sp>
+        <p:nvSpPr>
+          <p:cNvPr id="2" name="Folienbildplatzhalter 1">
+            <a:extLst>
+              <a:ext uri="{FF2B5EF4-FFF2-40B4-BE49-F238E27FC236}">
+                <a16:creationId xmlns:a16="http://schemas.microsoft.com/office/drawing/2014/main" id="{AC411701-2C7B-92D0-70DD-348E10B6574B}"/>
+              </a:ext>
+            </a:extLst>
+          </p:cNvPr>
+          <p:cNvSpPr>
+            <a:spLocks noGrp="1" noRot="1" noChangeAspect="1"/>
+          </p:cNvSpPr>
+          <p:nvPr>
+            <p:ph type="sldImg"/>
+          </p:nvPr>
+        </p:nvSpPr>
+        <p:spPr>
+          <a:xfrm>
+            <a:off x="-1795463" y="1143000"/>
+            <a:ext cx="10448926" cy="3086100"/>
+          </a:xfrm>
+        </p:spPr>
+      </p:sp>
+      <p:sp>
+        <p:nvSpPr>
+          <p:cNvPr id="3" name="Notizenplatzhalter 2">
+            <a:extLst>
+              <a:ext uri="{FF2B5EF4-FFF2-40B4-BE49-F238E27FC236}">
+                <a16:creationId xmlns:a16="http://schemas.microsoft.com/office/drawing/2014/main" id="{E6EE6EAB-A743-605B-C3E2-EDF551DF0D1A}"/>
+              </a:ext>
+            </a:extLst>
+          </p:cNvPr>
+          <p:cNvSpPr>
+            <a:spLocks noGrp="1"/>
+          </p:cNvSpPr>
+          <p:nvPr>
+            <p:ph type="body" idx="1"/>
+          </p:nvPr>
+        </p:nvSpPr>
+        <p:spPr/>
+        <p:txBody>
+          <a:bodyPr/>
+          <a:lstStyle/>
+          <a:p>
+            <a:r>
+              <a:rPr lang="de-DE" dirty="0"/>
+              <a:t>Screenshots: 768 x 768</a:t>
+            </a:r>
+          </a:p>
+          <a:p>
+            <a:endParaRPr lang="de-DE" dirty="0"/>
+          </a:p>
+        </p:txBody>
+      </p:sp>
+      <p:sp>
+        <p:nvSpPr>
+          <p:cNvPr id="4" name="Foliennummernplatzhalter 3">
+            <a:extLst>
+              <a:ext uri="{FF2B5EF4-FFF2-40B4-BE49-F238E27FC236}">
+                <a16:creationId xmlns:a16="http://schemas.microsoft.com/office/drawing/2014/main" id="{D76DAD03-B327-6192-5DAF-A117BCC91255}"/>
+              </a:ext>
+            </a:extLst>
+          </p:cNvPr>
+          <p:cNvSpPr>
+            <a:spLocks noGrp="1"/>
+          </p:cNvSpPr>
+          <p:nvPr>
+            <p:ph type="sldNum" sz="quarter" idx="5"/>
+          </p:nvPr>
+        </p:nvSpPr>
+        <p:spPr/>
+        <p:txBody>
+          <a:bodyPr/>
+          <a:lstStyle/>
+          <a:p>
+            <a:fld id="{64CA6AB9-CE58-4492-AAEA-2EF7322DD8C4}" type="slidenum">
+              <a:rPr lang="de-DE" smtClean="0"/>
+              <a:t>2</a:t>
+            </a:fld>
+            <a:endParaRPr lang="de-DE"/>
+          </a:p>
+        </p:txBody>
+      </p:sp>
+    </p:spTree>
+    <p:extLst>
+      <p:ext uri="{BB962C8B-B14F-4D97-AF65-F5344CB8AC3E}">
+        <p14:creationId xmlns:p14="http://schemas.microsoft.com/office/powerpoint/2010/main" val="3809289751"/>
+      </p:ext>
+    </p:extLst>
+  </p:cSld>
+  <p:clrMapOvr>
+    <a:masterClrMapping/>
+  </p:clrMapOvr>
+</p:notes>
+</file>
+
 <file path=ppt/slideLayouts/slideLayout1.xml><?xml version="1.0" encoding="utf-8"?>
 <p:sldLayout xmlns:a="http://schemas.openxmlformats.org/drawingml/2006/main" xmlns:r="http://schemas.openxmlformats.org/officeDocument/2006/relationships" xmlns:p="http://schemas.openxmlformats.org/presentationml/2006/main" type="title" preserve="1">
   <p:cSld name="Titelfolie">
@@ -702,7 +822,7 @@
           <a:p>
             <a:fld id="{4B42727A-D27F-4848-AC0C-0488BEB0AF20}" type="datetimeFigureOut">
               <a:rPr lang="de-DE" smtClean="0"/>
-              <a:t>18.01.2023</a:t>
+              <a:t>08.04.2025</a:t>
             </a:fld>
             <a:endParaRPr lang="de-DE"/>
           </a:p>
@@ -744,7 +864,7 @@
           <a:p>
             <a:fld id="{E7DA58FB-4530-499C-BBF7-EB4C50F39A87}" type="slidenum">
               <a:rPr lang="de-DE" smtClean="0"/>
-              <a:t>‹Nr.›</a:t>
+              <a:t>‹#›</a:t>
             </a:fld>
             <a:endParaRPr lang="de-DE"/>
           </a:p>
@@ -872,7 +992,7 @@
           <a:p>
             <a:fld id="{4B42727A-D27F-4848-AC0C-0488BEB0AF20}" type="datetimeFigureOut">
               <a:rPr lang="de-DE" smtClean="0"/>
-              <a:t>18.01.2023</a:t>
+              <a:t>08.04.2025</a:t>
             </a:fld>
             <a:endParaRPr lang="de-DE"/>
           </a:p>
@@ -914,7 +1034,7 @@
           <a:p>
             <a:fld id="{E7DA58FB-4530-499C-BBF7-EB4C50F39A87}" type="slidenum">
               <a:rPr lang="de-DE" smtClean="0"/>
-              <a:t>‹Nr.›</a:t>
+              <a:t>‹#›</a:t>
             </a:fld>
             <a:endParaRPr lang="de-DE"/>
           </a:p>
@@ -1052,7 +1172,7 @@
           <a:p>
             <a:fld id="{4B42727A-D27F-4848-AC0C-0488BEB0AF20}" type="datetimeFigureOut">
               <a:rPr lang="de-DE" smtClean="0"/>
-              <a:t>18.01.2023</a:t>
+              <a:t>08.04.2025</a:t>
             </a:fld>
             <a:endParaRPr lang="de-DE"/>
           </a:p>
@@ -1094,7 +1214,7 @@
           <a:p>
             <a:fld id="{E7DA58FB-4530-499C-BBF7-EB4C50F39A87}" type="slidenum">
               <a:rPr lang="de-DE" smtClean="0"/>
-              <a:t>‹Nr.›</a:t>
+              <a:t>‹#›</a:t>
             </a:fld>
             <a:endParaRPr lang="de-DE"/>
           </a:p>
@@ -1222,7 +1342,7 @@
           <a:p>
             <a:fld id="{4B42727A-D27F-4848-AC0C-0488BEB0AF20}" type="datetimeFigureOut">
               <a:rPr lang="de-DE" smtClean="0"/>
-              <a:t>18.01.2023</a:t>
+              <a:t>08.04.2025</a:t>
             </a:fld>
             <a:endParaRPr lang="de-DE"/>
           </a:p>
@@ -1264,7 +1384,7 @@
           <a:p>
             <a:fld id="{E7DA58FB-4530-499C-BBF7-EB4C50F39A87}" type="slidenum">
               <a:rPr lang="de-DE" smtClean="0"/>
-              <a:t>‹Nr.›</a:t>
+              <a:t>‹#›</a:t>
             </a:fld>
             <a:endParaRPr lang="de-DE"/>
           </a:p>
@@ -1468,7 +1588,7 @@
           <a:p>
             <a:fld id="{4B42727A-D27F-4848-AC0C-0488BEB0AF20}" type="datetimeFigureOut">
               <a:rPr lang="de-DE" smtClean="0"/>
-              <a:t>18.01.2023</a:t>
+              <a:t>08.04.2025</a:t>
             </a:fld>
             <a:endParaRPr lang="de-DE"/>
           </a:p>
@@ -1510,7 +1630,7 @@
           <a:p>
             <a:fld id="{E7DA58FB-4530-499C-BBF7-EB4C50F39A87}" type="slidenum">
               <a:rPr lang="de-DE" smtClean="0"/>
-              <a:t>‹Nr.›</a:t>
+              <a:t>‹#›</a:t>
             </a:fld>
             <a:endParaRPr lang="de-DE"/>
           </a:p>
@@ -1700,7 +1820,7 @@
           <a:p>
             <a:fld id="{4B42727A-D27F-4848-AC0C-0488BEB0AF20}" type="datetimeFigureOut">
               <a:rPr lang="de-DE" smtClean="0"/>
-              <a:t>18.01.2023</a:t>
+              <a:t>08.04.2025</a:t>
             </a:fld>
             <a:endParaRPr lang="de-DE"/>
           </a:p>
@@ -1742,7 +1862,7 @@
           <a:p>
             <a:fld id="{E7DA58FB-4530-499C-BBF7-EB4C50F39A87}" type="slidenum">
               <a:rPr lang="de-DE" smtClean="0"/>
-              <a:t>‹Nr.›</a:t>
+              <a:t>‹#›</a:t>
             </a:fld>
             <a:endParaRPr lang="de-DE"/>
           </a:p>
@@ -2067,7 +2187,7 @@
           <a:p>
             <a:fld id="{4B42727A-D27F-4848-AC0C-0488BEB0AF20}" type="datetimeFigureOut">
               <a:rPr lang="de-DE" smtClean="0"/>
-              <a:t>18.01.2023</a:t>
+              <a:t>08.04.2025</a:t>
             </a:fld>
             <a:endParaRPr lang="de-DE"/>
           </a:p>
@@ -2109,7 +2229,7 @@
           <a:p>
             <a:fld id="{E7DA58FB-4530-499C-BBF7-EB4C50F39A87}" type="slidenum">
               <a:rPr lang="de-DE" smtClean="0"/>
-              <a:t>‹Nr.›</a:t>
+              <a:t>‹#›</a:t>
             </a:fld>
             <a:endParaRPr lang="de-DE"/>
           </a:p>
@@ -2185,7 +2305,7 @@
           <a:p>
             <a:fld id="{4B42727A-D27F-4848-AC0C-0488BEB0AF20}" type="datetimeFigureOut">
               <a:rPr lang="de-DE" smtClean="0"/>
-              <a:t>18.01.2023</a:t>
+              <a:t>08.04.2025</a:t>
             </a:fld>
             <a:endParaRPr lang="de-DE"/>
           </a:p>
@@ -2227,7 +2347,7 @@
           <a:p>
             <a:fld id="{E7DA58FB-4530-499C-BBF7-EB4C50F39A87}" type="slidenum">
               <a:rPr lang="de-DE" smtClean="0"/>
-              <a:t>‹Nr.›</a:t>
+              <a:t>‹#›</a:t>
             </a:fld>
             <a:endParaRPr lang="de-DE"/>
           </a:p>
@@ -2280,7 +2400,7 @@
           <a:p>
             <a:fld id="{4B42727A-D27F-4848-AC0C-0488BEB0AF20}" type="datetimeFigureOut">
               <a:rPr lang="de-DE" smtClean="0"/>
-              <a:t>18.01.2023</a:t>
+              <a:t>08.04.2025</a:t>
             </a:fld>
             <a:endParaRPr lang="de-DE"/>
           </a:p>
@@ -2322,7 +2442,7 @@
           <a:p>
             <a:fld id="{E7DA58FB-4530-499C-BBF7-EB4C50F39A87}" type="slidenum">
               <a:rPr lang="de-DE" smtClean="0"/>
-              <a:t>‹Nr.›</a:t>
+              <a:t>‹#›</a:t>
             </a:fld>
             <a:endParaRPr lang="de-DE"/>
           </a:p>
@@ -2557,7 +2677,7 @@
           <a:p>
             <a:fld id="{4B42727A-D27F-4848-AC0C-0488BEB0AF20}" type="datetimeFigureOut">
               <a:rPr lang="de-DE" smtClean="0"/>
-              <a:t>18.01.2023</a:t>
+              <a:t>08.04.2025</a:t>
             </a:fld>
             <a:endParaRPr lang="de-DE"/>
           </a:p>
@@ -2599,7 +2719,7 @@
           <a:p>
             <a:fld id="{E7DA58FB-4530-499C-BBF7-EB4C50F39A87}" type="slidenum">
               <a:rPr lang="de-DE" smtClean="0"/>
-              <a:t>‹Nr.›</a:t>
+              <a:t>‹#›</a:t>
             </a:fld>
             <a:endParaRPr lang="de-DE"/>
           </a:p>
@@ -2814,7 +2934,7 @@
           <a:p>
             <a:fld id="{4B42727A-D27F-4848-AC0C-0488BEB0AF20}" type="datetimeFigureOut">
               <a:rPr lang="de-DE" smtClean="0"/>
-              <a:t>18.01.2023</a:t>
+              <a:t>08.04.2025</a:t>
             </a:fld>
             <a:endParaRPr lang="de-DE"/>
           </a:p>
@@ -2856,7 +2976,7 @@
           <a:p>
             <a:fld id="{E7DA58FB-4530-499C-BBF7-EB4C50F39A87}" type="slidenum">
               <a:rPr lang="de-DE" smtClean="0"/>
-              <a:t>‹Nr.›</a:t>
+              <a:t>‹#›</a:t>
             </a:fld>
             <a:endParaRPr lang="de-DE"/>
           </a:p>
@@ -3027,7 +3147,7 @@
           <a:p>
             <a:fld id="{4B42727A-D27F-4848-AC0C-0488BEB0AF20}" type="datetimeFigureOut">
               <a:rPr lang="de-DE" smtClean="0"/>
-              <a:t>18.01.2023</a:t>
+              <a:t>08.04.2025</a:t>
             </a:fld>
             <a:endParaRPr lang="de-DE"/>
           </a:p>
@@ -3105,7 +3225,7 @@
           <a:p>
             <a:fld id="{E7DA58FB-4530-499C-BBF7-EB4C50F39A87}" type="slidenum">
               <a:rPr lang="de-DE" smtClean="0"/>
-              <a:t>‹Nr.›</a:t>
+              <a:t>‹#›</a:t>
             </a:fld>
             <a:endParaRPr lang="de-DE"/>
           </a:p>
@@ -4474,6 +4594,1017 @@
 </file>
 
 <file path=ppt/slides/slide2.xml><?xml version="1.0" encoding="utf-8"?>
+<p:sld xmlns:a="http://schemas.openxmlformats.org/drawingml/2006/main" xmlns:r="http://schemas.openxmlformats.org/officeDocument/2006/relationships" xmlns:p="http://schemas.openxmlformats.org/presentationml/2006/main">
+  <p:cSld>
+    <p:spTree>
+      <p:nvGrpSpPr>
+        <p:cNvPr id="1" name="">
+          <a:extLst>
+            <a:ext uri="{FF2B5EF4-FFF2-40B4-BE49-F238E27FC236}">
+              <a16:creationId xmlns:a16="http://schemas.microsoft.com/office/drawing/2014/main" id="{10E3B9D3-E57B-0461-23DE-BECED5D8BB9D}"/>
+            </a:ext>
+          </a:extLst>
+        </p:cNvPr>
+        <p:cNvGrpSpPr/>
+        <p:nvPr/>
+      </p:nvGrpSpPr>
+      <p:grpSpPr>
+        <a:xfrm>
+          <a:off x="0" y="0"/>
+          <a:ext cx="0" cy="0"/>
+          <a:chOff x="0" y="0"/>
+          <a:chExt cx="0" cy="0"/>
+        </a:xfrm>
+      </p:grpSpPr>
+      <p:sp>
+        <p:nvSpPr>
+          <p:cNvPr id="41" name="Rechteck 40">
+            <a:extLst>
+              <a:ext uri="{FF2B5EF4-FFF2-40B4-BE49-F238E27FC236}">
+                <a16:creationId xmlns:a16="http://schemas.microsoft.com/office/drawing/2014/main" id="{B543CC49-47BA-A4B0-DD86-066FE98F4585}"/>
+              </a:ext>
+            </a:extLst>
+          </p:cNvPr>
+          <p:cNvSpPr/>
+          <p:nvPr/>
+        </p:nvSpPr>
+        <p:spPr>
+          <a:xfrm>
+            <a:off x="2401329" y="157439"/>
+            <a:ext cx="4881214" cy="2798642"/>
+          </a:xfrm>
+          <a:prstGeom prst="rect">
+            <a:avLst/>
+          </a:prstGeom>
+          <a:solidFill>
+            <a:srgbClr val="686B74"/>
+          </a:solidFill>
+          <a:ln w="28575">
+            <a:solidFill>
+              <a:srgbClr val="32414B"/>
+            </a:solidFill>
+          </a:ln>
+        </p:spPr>
+        <p:style>
+          <a:lnRef idx="2">
+            <a:schemeClr val="accent1">
+              <a:shade val="50000"/>
+            </a:schemeClr>
+          </a:lnRef>
+          <a:fillRef idx="1">
+            <a:schemeClr val="accent1"/>
+          </a:fillRef>
+          <a:effectRef idx="0">
+            <a:schemeClr val="accent1"/>
+          </a:effectRef>
+          <a:fontRef idx="minor">
+            <a:schemeClr val="lt1"/>
+          </a:fontRef>
+        </p:style>
+        <p:txBody>
+          <a:bodyPr rtlCol="0" anchor="ctr"/>
+          <a:lstStyle/>
+          <a:p>
+            <a:pPr algn="ctr"/>
+            <a:endParaRPr lang="de-DE"/>
+          </a:p>
+        </p:txBody>
+      </p:sp>
+      <p:sp>
+        <p:nvSpPr>
+          <p:cNvPr id="38" name="Pfeil: nach rechts 37">
+            <a:extLst>
+              <a:ext uri="{FF2B5EF4-FFF2-40B4-BE49-F238E27FC236}">
+                <a16:creationId xmlns:a16="http://schemas.microsoft.com/office/drawing/2014/main" id="{18A85C35-4B85-3B62-C140-5A729833F40B}"/>
+              </a:ext>
+            </a:extLst>
+          </p:cNvPr>
+          <p:cNvSpPr/>
+          <p:nvPr/>
+        </p:nvSpPr>
+        <p:spPr>
+          <a:xfrm>
+            <a:off x="1718726" y="823060"/>
+            <a:ext cx="8241703" cy="991066"/>
+          </a:xfrm>
+          <a:prstGeom prst="rightArrow">
+            <a:avLst/>
+          </a:prstGeom>
+          <a:solidFill>
+            <a:srgbClr val="32414B"/>
+          </a:solidFill>
+          <a:ln>
+            <a:solidFill>
+              <a:srgbClr val="32414B"/>
+            </a:solidFill>
+          </a:ln>
+        </p:spPr>
+        <p:style>
+          <a:lnRef idx="2">
+            <a:schemeClr val="accent1">
+              <a:shade val="50000"/>
+            </a:schemeClr>
+          </a:lnRef>
+          <a:fillRef idx="1">
+            <a:schemeClr val="accent1"/>
+          </a:fillRef>
+          <a:effectRef idx="0">
+            <a:schemeClr val="accent1"/>
+          </a:effectRef>
+          <a:fontRef idx="minor">
+            <a:schemeClr val="lt1"/>
+          </a:fontRef>
+        </p:style>
+        <p:txBody>
+          <a:bodyPr rot="0" spcFirstLastPara="0" vertOverflow="overflow" horzOverflow="overflow" vert="horz" wrap="square" lIns="91440" tIns="45720" rIns="91440" bIns="45720" numCol="1" spcCol="0" rtlCol="0" fromWordArt="0" anchor="ctr" anchorCtr="0" forceAA="0" compatLnSpc="1">
+            <a:prstTxWarp prst="textNoShape">
+              <a:avLst/>
+            </a:prstTxWarp>
+            <a:noAutofit/>
+          </a:bodyPr>
+          <a:lstStyle/>
+          <a:p>
+            <a:pPr algn="ctr"/>
+            <a:endParaRPr lang="de-DE"/>
+          </a:p>
+        </p:txBody>
+      </p:sp>
+      <p:grpSp>
+        <p:nvGrpSpPr>
+          <p:cNvPr id="12" name="Gruppieren 11">
+            <a:extLst>
+              <a:ext uri="{FF2B5EF4-FFF2-40B4-BE49-F238E27FC236}">
+                <a16:creationId xmlns:a16="http://schemas.microsoft.com/office/drawing/2014/main" id="{FF36E2E6-7694-82E9-CC5A-2E80CACBE80F}"/>
+              </a:ext>
+            </a:extLst>
+          </p:cNvPr>
+          <p:cNvGrpSpPr/>
+          <p:nvPr/>
+        </p:nvGrpSpPr>
+        <p:grpSpPr>
+          <a:xfrm>
+            <a:off x="306177" y="385902"/>
+            <a:ext cx="1524000" cy="1821873"/>
+            <a:chOff x="882266" y="2457966"/>
+            <a:chExt cx="1524000" cy="1821873"/>
+          </a:xfrm>
+          <a:effectLst>
+            <a:outerShdw blurRad="63500" sx="102000" sy="102000" algn="ctr" rotWithShape="0">
+              <a:srgbClr val="32414B">
+                <a:alpha val="40000"/>
+              </a:srgbClr>
+            </a:outerShdw>
+          </a:effectLst>
+        </p:grpSpPr>
+        <p:sp>
+          <p:nvSpPr>
+            <p:cNvPr id="4" name="Zylinder 3">
+              <a:extLst>
+                <a:ext uri="{FF2B5EF4-FFF2-40B4-BE49-F238E27FC236}">
+                  <a16:creationId xmlns:a16="http://schemas.microsoft.com/office/drawing/2014/main" id="{B4B4FC0F-19FF-1C22-B327-AB3DFA8D245F}"/>
+                </a:ext>
+              </a:extLst>
+            </p:cNvPr>
+            <p:cNvSpPr/>
+            <p:nvPr/>
+          </p:nvSpPr>
+          <p:spPr>
+            <a:xfrm>
+              <a:off x="882266" y="2457966"/>
+              <a:ext cx="1524000" cy="1821873"/>
+            </a:xfrm>
+            <a:prstGeom prst="can">
+              <a:avLst/>
+            </a:prstGeom>
+            <a:solidFill>
+              <a:srgbClr val="FFFFFF"/>
+            </a:solidFill>
+            <a:ln w="28575">
+              <a:solidFill>
+                <a:srgbClr val="32414B"/>
+              </a:solidFill>
+            </a:ln>
+          </p:spPr>
+          <p:style>
+            <a:lnRef idx="2">
+              <a:schemeClr val="accent1">
+                <a:shade val="50000"/>
+              </a:schemeClr>
+            </a:lnRef>
+            <a:fillRef idx="1">
+              <a:schemeClr val="accent1"/>
+            </a:fillRef>
+            <a:effectRef idx="0">
+              <a:schemeClr val="accent1"/>
+            </a:effectRef>
+            <a:fontRef idx="minor">
+              <a:schemeClr val="lt1"/>
+            </a:fontRef>
+          </p:style>
+          <p:txBody>
+            <a:bodyPr rot="0" spcFirstLastPara="0" vertOverflow="overflow" horzOverflow="overflow" vert="horz" wrap="square" lIns="91440" tIns="45720" rIns="91440" bIns="45720" numCol="1" spcCol="0" rtlCol="0" fromWordArt="0" anchor="ctr" anchorCtr="0" forceAA="0" compatLnSpc="1">
+              <a:prstTxWarp prst="textNoShape">
+                <a:avLst/>
+              </a:prstTxWarp>
+              <a:noAutofit/>
+            </a:bodyPr>
+            <a:lstStyle/>
+            <a:p>
+              <a:pPr algn="ctr"/>
+              <a:r>
+                <a:rPr lang="de-DE" dirty="0"/>
+                <a:t>ROAD</a:t>
+              </a:r>
+            </a:p>
+            <a:p>
+              <a:pPr algn="ctr"/>
+              <a:r>
+                <a:rPr lang="de-DE" dirty="0"/>
+                <a:t>Database</a:t>
+              </a:r>
+            </a:p>
+          </p:txBody>
+        </p:sp>
+        <p:pic>
+          <p:nvPicPr>
+            <p:cNvPr id="8" name="Grafik 7">
+              <a:extLst>
+                <a:ext uri="{FF2B5EF4-FFF2-40B4-BE49-F238E27FC236}">
+                  <a16:creationId xmlns:a16="http://schemas.microsoft.com/office/drawing/2014/main" id="{B475F301-EBAC-E239-0B01-7F14C93D8B0B}"/>
+                </a:ext>
+              </a:extLst>
+            </p:cNvPr>
+            <p:cNvPicPr>
+              <a:picLocks noChangeAspect="1"/>
+            </p:cNvPicPr>
+            <p:nvPr/>
+          </p:nvPicPr>
+          <p:blipFill>
+            <a:blip r:embed="rId3" cstate="email">
+              <a:extLst>
+                <a:ext uri="{28A0092B-C50C-407E-A947-70E740481C1C}">
+                  <a14:useLocalDpi xmlns:a14="http://schemas.microsoft.com/office/drawing/2010/main" val="0"/>
+                </a:ext>
+              </a:extLst>
+            </a:blip>
+            <a:stretch>
+              <a:fillRect/>
+            </a:stretch>
+          </p:blipFill>
+          <p:spPr>
+            <a:xfrm>
+              <a:off x="882266" y="2703944"/>
+              <a:ext cx="1524000" cy="1524000"/>
+            </a:xfrm>
+            <a:prstGeom prst="rect">
+              <a:avLst/>
+            </a:prstGeom>
+            <a:ln>
+              <a:noFill/>
+            </a:ln>
+          </p:spPr>
+        </p:pic>
+      </p:grpSp>
+      <p:sp>
+        <p:nvSpPr>
+          <p:cNvPr id="10" name="Textfeld 9">
+            <a:extLst>
+              <a:ext uri="{FF2B5EF4-FFF2-40B4-BE49-F238E27FC236}">
+                <a16:creationId xmlns:a16="http://schemas.microsoft.com/office/drawing/2014/main" id="{4A39C175-7C63-3D1F-2EAC-CBA08EDFB03F}"/>
+              </a:ext>
+            </a:extLst>
+          </p:cNvPr>
+          <p:cNvSpPr txBox="1"/>
+          <p:nvPr/>
+        </p:nvSpPr>
+        <p:spPr>
+          <a:xfrm>
+            <a:off x="20455" y="2259080"/>
+            <a:ext cx="2095445" cy="400110"/>
+          </a:xfrm>
+          <a:prstGeom prst="rect">
+            <a:avLst/>
+          </a:prstGeom>
+          <a:noFill/>
+        </p:spPr>
+        <p:txBody>
+          <a:bodyPr wrap="none" rtlCol="0">
+            <a:spAutoFit/>
+          </a:bodyPr>
+          <a:lstStyle/>
+          <a:p>
+            <a:pPr algn="ctr"/>
+            <a:r>
+              <a:rPr lang="de-DE" sz="2000" dirty="0">
+                <a:solidFill>
+                  <a:srgbClr val="32414B"/>
+                </a:solidFill>
+                <a:latin typeface="Arial" panose="020B0604020202020204" pitchFamily="34" charset="0"/>
+                <a:cs typeface="Arial" panose="020B0604020202020204" pitchFamily="34" charset="0"/>
+              </a:rPr>
+              <a:t>ROAD Database</a:t>
+            </a:r>
+          </a:p>
+        </p:txBody>
+      </p:sp>
+      <p:sp>
+        <p:nvSpPr>
+          <p:cNvPr id="16" name="Rechteck: abgerundete Ecken 15">
+            <a:extLst>
+              <a:ext uri="{FF2B5EF4-FFF2-40B4-BE49-F238E27FC236}">
+                <a16:creationId xmlns:a16="http://schemas.microsoft.com/office/drawing/2014/main" id="{71CA12B6-8385-9481-6BBD-1120897CDDE0}"/>
+              </a:ext>
+            </a:extLst>
+          </p:cNvPr>
+          <p:cNvSpPr/>
+          <p:nvPr/>
+        </p:nvSpPr>
+        <p:spPr>
+          <a:xfrm>
+            <a:off x="2682188" y="576838"/>
+            <a:ext cx="1733603" cy="1440000"/>
+          </a:xfrm>
+          <a:prstGeom prst="roundRect">
+            <a:avLst/>
+          </a:prstGeom>
+          <a:solidFill>
+            <a:srgbClr val="FFFFFF"/>
+          </a:solidFill>
+          <a:ln w="28575">
+            <a:solidFill>
+              <a:srgbClr val="32414B"/>
+            </a:solidFill>
+          </a:ln>
+          <a:effectLst>
+            <a:outerShdw blurRad="63500" sx="102000" sy="102000" algn="ctr" rotWithShape="0">
+              <a:prstClr val="black">
+                <a:alpha val="40000"/>
+              </a:prstClr>
+            </a:outerShdw>
+          </a:effectLst>
+        </p:spPr>
+        <p:style>
+          <a:lnRef idx="2">
+            <a:schemeClr val="accent1">
+              <a:shade val="50000"/>
+            </a:schemeClr>
+          </a:lnRef>
+          <a:fillRef idx="1">
+            <a:schemeClr val="accent1"/>
+          </a:fillRef>
+          <a:effectRef idx="0">
+            <a:schemeClr val="accent1"/>
+          </a:effectRef>
+          <a:fontRef idx="minor">
+            <a:schemeClr val="lt1"/>
+          </a:fontRef>
+        </p:style>
+        <p:txBody>
+          <a:bodyPr rot="0" spcFirstLastPara="0" vertOverflow="overflow" horzOverflow="overflow" vert="horz" wrap="square" lIns="91440" tIns="45720" rIns="91440" bIns="45720" numCol="1" spcCol="0" rtlCol="0" fromWordArt="0" anchor="ctr" anchorCtr="0" forceAA="0" compatLnSpc="1">
+            <a:prstTxWarp prst="textNoShape">
+              <a:avLst/>
+            </a:prstTxWarp>
+            <a:noAutofit/>
+          </a:bodyPr>
+          <a:lstStyle/>
+          <a:p>
+            <a:pPr algn="ctr"/>
+            <a:r>
+              <a:rPr lang="de-DE" dirty="0">
+                <a:solidFill>
+                  <a:srgbClr val="32414B"/>
+                </a:solidFill>
+                <a:latin typeface="Arial" panose="020B0604020202020204" pitchFamily="34" charset="0"/>
+                <a:cs typeface="Arial" panose="020B0604020202020204" pitchFamily="34" charset="0"/>
+              </a:rPr>
+              <a:t>Query </a:t>
+            </a:r>
+            <a:r>
+              <a:rPr lang="de-DE" dirty="0" err="1">
+                <a:solidFill>
+                  <a:srgbClr val="32414B"/>
+                </a:solidFill>
+                <a:latin typeface="Arial" panose="020B0604020202020204" pitchFamily="34" charset="0"/>
+                <a:cs typeface="Arial" panose="020B0604020202020204" pitchFamily="34" charset="0"/>
+              </a:rPr>
+              <a:t>data</a:t>
+            </a:r>
+            <a:r>
+              <a:rPr lang="de-DE" dirty="0">
+                <a:solidFill>
+                  <a:srgbClr val="32414B"/>
+                </a:solidFill>
+                <a:latin typeface="Arial" panose="020B0604020202020204" pitchFamily="34" charset="0"/>
+                <a:cs typeface="Arial" panose="020B0604020202020204" pitchFamily="34" charset="0"/>
+              </a:rPr>
+              <a:t> </a:t>
+            </a:r>
+            <a:r>
+              <a:rPr lang="de-DE" dirty="0" err="1">
+                <a:solidFill>
+                  <a:srgbClr val="32414B"/>
+                </a:solidFill>
+                <a:latin typeface="Arial" panose="020B0604020202020204" pitchFamily="34" charset="0"/>
+                <a:cs typeface="Arial" panose="020B0604020202020204" pitchFamily="34" charset="0"/>
+              </a:rPr>
+              <a:t>from</a:t>
+            </a:r>
+            <a:r>
+              <a:rPr lang="de-DE" dirty="0">
+                <a:solidFill>
+                  <a:srgbClr val="32414B"/>
+                </a:solidFill>
+                <a:latin typeface="Arial" panose="020B0604020202020204" pitchFamily="34" charset="0"/>
+                <a:cs typeface="Arial" panose="020B0604020202020204" pitchFamily="34" charset="0"/>
+              </a:rPr>
+              <a:t> ROAD</a:t>
+            </a:r>
+          </a:p>
+        </p:txBody>
+      </p:sp>
+      <p:sp>
+        <p:nvSpPr>
+          <p:cNvPr id="18" name="Textfeld 17">
+            <a:extLst>
+              <a:ext uri="{FF2B5EF4-FFF2-40B4-BE49-F238E27FC236}">
+                <a16:creationId xmlns:a16="http://schemas.microsoft.com/office/drawing/2014/main" id="{80BCCDC5-B4DD-BC8F-A686-F4A64FD97B01}"/>
+              </a:ext>
+            </a:extLst>
+          </p:cNvPr>
+          <p:cNvSpPr txBox="1"/>
+          <p:nvPr/>
+        </p:nvSpPr>
+        <p:spPr>
+          <a:xfrm>
+            <a:off x="2723281" y="2253198"/>
+            <a:ext cx="1651414" cy="400110"/>
+          </a:xfrm>
+          <a:prstGeom prst="rect">
+            <a:avLst/>
+          </a:prstGeom>
+          <a:noFill/>
+        </p:spPr>
+        <p:txBody>
+          <a:bodyPr wrap="none" rtlCol="0">
+            <a:spAutoFit/>
+          </a:bodyPr>
+          <a:lstStyle/>
+          <a:p>
+            <a:pPr algn="ctr"/>
+            <a:r>
+              <a:rPr lang="de-DE" sz="2000" dirty="0" err="1">
+                <a:solidFill>
+                  <a:schemeClr val="bg1"/>
+                </a:solidFill>
+                <a:latin typeface="Arial" panose="020B0604020202020204" pitchFamily="34" charset="0"/>
+                <a:cs typeface="Arial" panose="020B0604020202020204" pitchFamily="34" charset="0"/>
+              </a:rPr>
+              <a:t>road_query</a:t>
+            </a:r>
+            <a:r>
+              <a:rPr lang="de-DE" sz="2000" dirty="0">
+                <a:solidFill>
+                  <a:schemeClr val="bg1"/>
+                </a:solidFill>
+                <a:latin typeface="Arial" panose="020B0604020202020204" pitchFamily="34" charset="0"/>
+                <a:cs typeface="Arial" panose="020B0604020202020204" pitchFamily="34" charset="0"/>
+              </a:rPr>
+              <a:t>()</a:t>
+            </a:r>
+          </a:p>
+        </p:txBody>
+      </p:sp>
+      <p:sp>
+        <p:nvSpPr>
+          <p:cNvPr id="19" name="Rechteck: abgerundete Ecken 18">
+            <a:extLst>
+              <a:ext uri="{FF2B5EF4-FFF2-40B4-BE49-F238E27FC236}">
+                <a16:creationId xmlns:a16="http://schemas.microsoft.com/office/drawing/2014/main" id="{FEEB9994-EB83-F308-9EAD-DA82388AEE21}"/>
+              </a:ext>
+            </a:extLst>
+          </p:cNvPr>
+          <p:cNvSpPr/>
+          <p:nvPr/>
+        </p:nvSpPr>
+        <p:spPr>
+          <a:xfrm>
+            <a:off x="5267801" y="576838"/>
+            <a:ext cx="1733603" cy="1440000"/>
+          </a:xfrm>
+          <a:prstGeom prst="roundRect">
+            <a:avLst/>
+          </a:prstGeom>
+          <a:solidFill>
+            <a:srgbClr val="FFFFFF"/>
+          </a:solidFill>
+          <a:ln w="28575">
+            <a:solidFill>
+              <a:srgbClr val="32414B"/>
+            </a:solidFill>
+          </a:ln>
+          <a:effectLst>
+            <a:outerShdw blurRad="63500" sx="102000" sy="102000" algn="ctr" rotWithShape="0">
+              <a:prstClr val="black">
+                <a:alpha val="40000"/>
+              </a:prstClr>
+            </a:outerShdw>
+          </a:effectLst>
+        </p:spPr>
+        <p:style>
+          <a:lnRef idx="2">
+            <a:schemeClr val="accent1">
+              <a:shade val="50000"/>
+            </a:schemeClr>
+          </a:lnRef>
+          <a:fillRef idx="1">
+            <a:schemeClr val="accent1"/>
+          </a:fillRef>
+          <a:effectRef idx="0">
+            <a:schemeClr val="accent1"/>
+          </a:effectRef>
+          <a:fontRef idx="minor">
+            <a:schemeClr val="lt1"/>
+          </a:fontRef>
+        </p:style>
+        <p:txBody>
+          <a:bodyPr rot="0" spcFirstLastPara="0" vertOverflow="overflow" horzOverflow="overflow" vert="horz" wrap="square" lIns="91440" tIns="45720" rIns="91440" bIns="45720" numCol="1" spcCol="0" rtlCol="0" fromWordArt="0" anchor="ctr" anchorCtr="0" forceAA="0" compatLnSpc="1">
+            <a:prstTxWarp prst="textNoShape">
+              <a:avLst/>
+            </a:prstTxWarp>
+            <a:noAutofit/>
+          </a:bodyPr>
+          <a:lstStyle/>
+          <a:p>
+            <a:pPr algn="ctr"/>
+            <a:r>
+              <a:rPr lang="de-DE" dirty="0" err="1">
+                <a:solidFill>
+                  <a:srgbClr val="32414B"/>
+                </a:solidFill>
+                <a:latin typeface="Arial" panose="020B0604020202020204" pitchFamily="34" charset="0"/>
+                <a:cs typeface="Arial" panose="020B0604020202020204" pitchFamily="34" charset="0"/>
+              </a:rPr>
+              <a:t>Convert</a:t>
+            </a:r>
+            <a:r>
+              <a:rPr lang="de-DE" dirty="0">
+                <a:solidFill>
+                  <a:srgbClr val="32414B"/>
+                </a:solidFill>
+                <a:latin typeface="Arial" panose="020B0604020202020204" pitchFamily="34" charset="0"/>
+                <a:cs typeface="Arial" panose="020B0604020202020204" pitchFamily="34" charset="0"/>
+              </a:rPr>
+              <a:t> </a:t>
+            </a:r>
+            <a:r>
+              <a:rPr lang="de-DE" dirty="0" err="1">
+                <a:solidFill>
+                  <a:srgbClr val="32414B"/>
+                </a:solidFill>
+                <a:latin typeface="Arial" panose="020B0604020202020204" pitchFamily="34" charset="0"/>
+                <a:cs typeface="Arial" panose="020B0604020202020204" pitchFamily="34" charset="0"/>
+              </a:rPr>
+              <a:t>to</a:t>
+            </a:r>
+            <a:r>
+              <a:rPr lang="de-DE" dirty="0">
+                <a:solidFill>
+                  <a:srgbClr val="32414B"/>
+                </a:solidFill>
+                <a:latin typeface="Arial" panose="020B0604020202020204" pitchFamily="34" charset="0"/>
+                <a:cs typeface="Arial" panose="020B0604020202020204" pitchFamily="34" charset="0"/>
+              </a:rPr>
+              <a:t> </a:t>
+            </a:r>
+            <a:r>
+              <a:rPr lang="de-DE" dirty="0" err="1">
+                <a:solidFill>
+                  <a:srgbClr val="32414B"/>
+                </a:solidFill>
+                <a:latin typeface="Arial" panose="020B0604020202020204" pitchFamily="34" charset="0"/>
+                <a:cs typeface="Arial" panose="020B0604020202020204" pitchFamily="34" charset="0"/>
+              </a:rPr>
+              <a:t>Wikipedia‘s</a:t>
+            </a:r>
+            <a:r>
+              <a:rPr lang="de-DE" dirty="0">
+                <a:solidFill>
+                  <a:srgbClr val="32414B"/>
+                </a:solidFill>
+                <a:latin typeface="Arial" panose="020B0604020202020204" pitchFamily="34" charset="0"/>
+                <a:cs typeface="Arial" panose="020B0604020202020204" pitchFamily="34" charset="0"/>
+              </a:rPr>
+              <a:t> </a:t>
+            </a:r>
+            <a:r>
+              <a:rPr lang="de-DE" dirty="0" err="1">
+                <a:solidFill>
+                  <a:srgbClr val="32414B"/>
+                </a:solidFill>
+                <a:latin typeface="Arial" panose="020B0604020202020204" pitchFamily="34" charset="0"/>
+                <a:cs typeface="Arial" panose="020B0604020202020204" pitchFamily="34" charset="0"/>
+              </a:rPr>
+              <a:t>GeoJSON</a:t>
+            </a:r>
+            <a:r>
+              <a:rPr lang="de-DE" dirty="0">
+                <a:solidFill>
+                  <a:srgbClr val="32414B"/>
+                </a:solidFill>
+                <a:latin typeface="Arial" panose="020B0604020202020204" pitchFamily="34" charset="0"/>
+                <a:cs typeface="Arial" panose="020B0604020202020204" pitchFamily="34" charset="0"/>
+              </a:rPr>
+              <a:t> </a:t>
+            </a:r>
+            <a:r>
+              <a:rPr lang="de-DE" dirty="0" err="1">
+                <a:solidFill>
+                  <a:srgbClr val="32414B"/>
+                </a:solidFill>
+                <a:latin typeface="Arial" panose="020B0604020202020204" pitchFamily="34" charset="0"/>
+                <a:cs typeface="Arial" panose="020B0604020202020204" pitchFamily="34" charset="0"/>
+              </a:rPr>
+              <a:t>format</a:t>
+            </a:r>
+            <a:endParaRPr lang="de-DE" dirty="0">
+              <a:solidFill>
+                <a:srgbClr val="32414B"/>
+              </a:solidFill>
+              <a:latin typeface="Arial" panose="020B0604020202020204" pitchFamily="34" charset="0"/>
+              <a:cs typeface="Arial" panose="020B0604020202020204" pitchFamily="34" charset="0"/>
+            </a:endParaRPr>
+          </a:p>
+        </p:txBody>
+      </p:sp>
+      <p:sp>
+        <p:nvSpPr>
+          <p:cNvPr id="20" name="Textfeld 19">
+            <a:extLst>
+              <a:ext uri="{FF2B5EF4-FFF2-40B4-BE49-F238E27FC236}">
+                <a16:creationId xmlns:a16="http://schemas.microsoft.com/office/drawing/2014/main" id="{10A50009-A0A1-7B20-A4FE-1284ABFB78B2}"/>
+              </a:ext>
+            </a:extLst>
+          </p:cNvPr>
+          <p:cNvSpPr txBox="1"/>
+          <p:nvPr/>
+        </p:nvSpPr>
+        <p:spPr>
+          <a:xfrm>
+            <a:off x="5396930" y="2248194"/>
+            <a:ext cx="1398140" cy="400110"/>
+          </a:xfrm>
+          <a:prstGeom prst="rect">
+            <a:avLst/>
+          </a:prstGeom>
+          <a:noFill/>
+        </p:spPr>
+        <p:txBody>
+          <a:bodyPr wrap="none" rtlCol="0">
+            <a:spAutoFit/>
+          </a:bodyPr>
+          <a:lstStyle/>
+          <a:p>
+            <a:pPr algn="ctr"/>
+            <a:r>
+              <a:rPr lang="de-DE" sz="2000" dirty="0" err="1">
+                <a:solidFill>
+                  <a:schemeClr val="bg1"/>
+                </a:solidFill>
+                <a:latin typeface="Arial" panose="020B0604020202020204" pitchFamily="34" charset="0"/>
+                <a:cs typeface="Arial" panose="020B0604020202020204" pitchFamily="34" charset="0"/>
+              </a:rPr>
+              <a:t>wiki_json</a:t>
+            </a:r>
+            <a:r>
+              <a:rPr lang="de-DE" sz="2000" dirty="0">
+                <a:solidFill>
+                  <a:schemeClr val="bg1"/>
+                </a:solidFill>
+                <a:latin typeface="Arial" panose="020B0604020202020204" pitchFamily="34" charset="0"/>
+                <a:cs typeface="Arial" panose="020B0604020202020204" pitchFamily="34" charset="0"/>
+              </a:rPr>
+              <a:t>()</a:t>
+            </a:r>
+          </a:p>
+        </p:txBody>
+      </p:sp>
+      <p:sp>
+        <p:nvSpPr>
+          <p:cNvPr id="25" name="Textfeld 24">
+            <a:extLst>
+              <a:ext uri="{FF2B5EF4-FFF2-40B4-BE49-F238E27FC236}">
+                <a16:creationId xmlns:a16="http://schemas.microsoft.com/office/drawing/2014/main" id="{2FA6C4A9-9EC2-ADCC-22B8-0F61E7DA0BAD}"/>
+              </a:ext>
+            </a:extLst>
+          </p:cNvPr>
+          <p:cNvSpPr txBox="1"/>
+          <p:nvPr/>
+        </p:nvSpPr>
+        <p:spPr>
+          <a:xfrm>
+            <a:off x="7846928" y="2248194"/>
+            <a:ext cx="1369286" cy="707886"/>
+          </a:xfrm>
+          <a:prstGeom prst="rect">
+            <a:avLst/>
+          </a:prstGeom>
+          <a:noFill/>
+        </p:spPr>
+        <p:txBody>
+          <a:bodyPr wrap="none" rtlCol="0">
+            <a:spAutoFit/>
+          </a:bodyPr>
+          <a:lstStyle/>
+          <a:p>
+            <a:pPr algn="ctr"/>
+            <a:r>
+              <a:rPr lang="de-DE" sz="2000" dirty="0">
+                <a:solidFill>
+                  <a:srgbClr val="32414B"/>
+                </a:solidFill>
+                <a:latin typeface="Arial" panose="020B0604020202020204" pitchFamily="34" charset="0"/>
+                <a:cs typeface="Arial" panose="020B0604020202020204" pitchFamily="34" charset="0"/>
+              </a:rPr>
+              <a:t>Wikimedia</a:t>
+            </a:r>
+          </a:p>
+          <a:p>
+            <a:pPr algn="ctr"/>
+            <a:r>
+              <a:rPr lang="de-DE" sz="2000" dirty="0">
+                <a:solidFill>
+                  <a:srgbClr val="32414B"/>
+                </a:solidFill>
+                <a:latin typeface="Arial" panose="020B0604020202020204" pitchFamily="34" charset="0"/>
+                <a:cs typeface="Arial" panose="020B0604020202020204" pitchFamily="34" charset="0"/>
+              </a:rPr>
+              <a:t>Commons</a:t>
+            </a:r>
+          </a:p>
+        </p:txBody>
+      </p:sp>
+      <p:sp>
+        <p:nvSpPr>
+          <p:cNvPr id="26" name="Textfeld 25">
+            <a:extLst>
+              <a:ext uri="{FF2B5EF4-FFF2-40B4-BE49-F238E27FC236}">
+                <a16:creationId xmlns:a16="http://schemas.microsoft.com/office/drawing/2014/main" id="{7AB322F8-452C-575B-DFCF-134ACB21472E}"/>
+              </a:ext>
+            </a:extLst>
+          </p:cNvPr>
+          <p:cNvSpPr txBox="1"/>
+          <p:nvPr/>
+        </p:nvSpPr>
+        <p:spPr>
+          <a:xfrm>
+            <a:off x="10323163" y="2248194"/>
+            <a:ext cx="1298753" cy="400110"/>
+          </a:xfrm>
+          <a:prstGeom prst="rect">
+            <a:avLst/>
+          </a:prstGeom>
+          <a:noFill/>
+        </p:spPr>
+        <p:txBody>
+          <a:bodyPr wrap="none" rtlCol="0">
+            <a:spAutoFit/>
+          </a:bodyPr>
+          <a:lstStyle/>
+          <a:p>
+            <a:pPr algn="ctr"/>
+            <a:r>
+              <a:rPr lang="de-DE" sz="2000" dirty="0">
+                <a:solidFill>
+                  <a:srgbClr val="32414B"/>
+                </a:solidFill>
+                <a:latin typeface="Arial" panose="020B0604020202020204" pitchFamily="34" charset="0"/>
+                <a:cs typeface="Arial" panose="020B0604020202020204" pitchFamily="34" charset="0"/>
+              </a:rPr>
+              <a:t>Wikipedia</a:t>
+            </a:r>
+          </a:p>
+        </p:txBody>
+      </p:sp>
+      <p:pic>
+        <p:nvPicPr>
+          <p:cNvPr id="35" name="Grafik 34">
+            <a:extLst>
+              <a:ext uri="{FF2B5EF4-FFF2-40B4-BE49-F238E27FC236}">
+                <a16:creationId xmlns:a16="http://schemas.microsoft.com/office/drawing/2014/main" id="{77A06038-9EAA-73AD-0BFA-3BD055EB97D7}"/>
+              </a:ext>
+            </a:extLst>
+          </p:cNvPr>
+          <p:cNvPicPr>
+            <a:picLocks noChangeAspect="1"/>
+          </p:cNvPicPr>
+          <p:nvPr/>
+        </p:nvPicPr>
+        <p:blipFill>
+          <a:blip r:embed="rId4" cstate="email">
+            <a:extLst>
+              <a:ext uri="{28A0092B-C50C-407E-A947-70E740481C1C}">
+                <a14:useLocalDpi xmlns:a14="http://schemas.microsoft.com/office/drawing/2010/main" val="0"/>
+              </a:ext>
+            </a:extLst>
+          </a:blip>
+          <a:stretch>
+            <a:fillRect/>
+          </a:stretch>
+        </p:blipFill>
+        <p:spPr>
+          <a:xfrm>
+            <a:off x="10061739" y="386038"/>
+            <a:ext cx="1821600" cy="1821600"/>
+          </a:xfrm>
+          <a:prstGeom prst="rect">
+            <a:avLst/>
+          </a:prstGeom>
+          <a:effectLst>
+            <a:outerShdw blurRad="63500" sx="102000" sy="102000" algn="ctr" rotWithShape="0">
+              <a:prstClr val="black">
+                <a:alpha val="40000"/>
+              </a:prstClr>
+            </a:outerShdw>
+          </a:effectLst>
+        </p:spPr>
+      </p:pic>
+      <p:grpSp>
+        <p:nvGrpSpPr>
+          <p:cNvPr id="40" name="Gruppieren 39">
+            <a:extLst>
+              <a:ext uri="{FF2B5EF4-FFF2-40B4-BE49-F238E27FC236}">
+                <a16:creationId xmlns:a16="http://schemas.microsoft.com/office/drawing/2014/main" id="{A316D211-17FA-0DA7-0FE6-B9866426A0A0}"/>
+              </a:ext>
+            </a:extLst>
+          </p:cNvPr>
+          <p:cNvGrpSpPr/>
+          <p:nvPr/>
+        </p:nvGrpSpPr>
+        <p:grpSpPr>
+          <a:xfrm>
+            <a:off x="7853414" y="157438"/>
+            <a:ext cx="1356317" cy="1824271"/>
+            <a:chOff x="7853413" y="2580874"/>
+            <a:chExt cx="1356317" cy="1824271"/>
+          </a:xfrm>
+        </p:grpSpPr>
+        <p:sp>
+          <p:nvSpPr>
+            <p:cNvPr id="39" name="Ellipse 38">
+              <a:extLst>
+                <a:ext uri="{FF2B5EF4-FFF2-40B4-BE49-F238E27FC236}">
+                  <a16:creationId xmlns:a16="http://schemas.microsoft.com/office/drawing/2014/main" id="{FB2CA9F0-CBEF-2E4A-CEA8-2560449EDB8C}"/>
+                </a:ext>
+              </a:extLst>
+            </p:cNvPr>
+            <p:cNvSpPr/>
+            <p:nvPr/>
+          </p:nvSpPr>
+          <p:spPr>
+            <a:xfrm>
+              <a:off x="7886070" y="3115688"/>
+              <a:ext cx="1289457" cy="1289457"/>
+            </a:xfrm>
+            <a:prstGeom prst="ellipse">
+              <a:avLst/>
+            </a:prstGeom>
+            <a:solidFill>
+              <a:srgbClr val="FFFFFF"/>
+            </a:solidFill>
+            <a:ln>
+              <a:noFill/>
+            </a:ln>
+          </p:spPr>
+          <p:style>
+            <a:lnRef idx="2">
+              <a:schemeClr val="accent1">
+                <a:shade val="50000"/>
+              </a:schemeClr>
+            </a:lnRef>
+            <a:fillRef idx="1">
+              <a:schemeClr val="accent1"/>
+            </a:fillRef>
+            <a:effectRef idx="0">
+              <a:schemeClr val="accent1"/>
+            </a:effectRef>
+            <a:fontRef idx="minor">
+              <a:schemeClr val="lt1"/>
+            </a:fontRef>
+          </p:style>
+          <p:txBody>
+            <a:bodyPr rot="0" spcFirstLastPara="0" vertOverflow="overflow" horzOverflow="overflow" vert="horz" wrap="square" lIns="91440" tIns="45720" rIns="91440" bIns="45720" numCol="1" spcCol="0" rtlCol="0" fromWordArt="0" anchor="ctr" anchorCtr="0" forceAA="0" compatLnSpc="1">
+              <a:prstTxWarp prst="textNoShape">
+                <a:avLst/>
+              </a:prstTxWarp>
+              <a:noAutofit/>
+            </a:bodyPr>
+            <a:lstStyle/>
+            <a:p>
+              <a:pPr algn="ctr"/>
+              <a:endParaRPr lang="de-DE"/>
+            </a:p>
+          </p:txBody>
+        </p:sp>
+        <p:pic>
+          <p:nvPicPr>
+            <p:cNvPr id="24" name="Grafik 23">
+              <a:extLst>
+                <a:ext uri="{FF2B5EF4-FFF2-40B4-BE49-F238E27FC236}">
+                  <a16:creationId xmlns:a16="http://schemas.microsoft.com/office/drawing/2014/main" id="{0B21E60E-C582-754F-1448-281C0E9759AF}"/>
+                </a:ext>
+              </a:extLst>
+            </p:cNvPr>
+            <p:cNvPicPr>
+              <a:picLocks noChangeAspect="1"/>
+            </p:cNvPicPr>
+            <p:nvPr/>
+          </p:nvPicPr>
+          <p:blipFill>
+            <a:blip r:embed="rId5" cstate="email">
+              <a:extLst>
+                <a:ext uri="{28A0092B-C50C-407E-A947-70E740481C1C}">
+                  <a14:useLocalDpi xmlns:a14="http://schemas.microsoft.com/office/drawing/2010/main" val="0"/>
+                </a:ext>
+              </a:extLst>
+            </a:blip>
+            <a:stretch>
+              <a:fillRect/>
+            </a:stretch>
+          </p:blipFill>
+          <p:spPr>
+            <a:xfrm>
+              <a:off x="7853413" y="2580874"/>
+              <a:ext cx="1356317" cy="1821600"/>
+            </a:xfrm>
+            <a:prstGeom prst="rect">
+              <a:avLst/>
+            </a:prstGeom>
+            <a:effectLst>
+              <a:outerShdw blurRad="63500" sx="102000" sy="102000" algn="ctr" rotWithShape="0">
+                <a:prstClr val="black">
+                  <a:alpha val="40000"/>
+                </a:prstClr>
+              </a:outerShdw>
+            </a:effectLst>
+          </p:spPr>
+        </p:pic>
+      </p:grpSp>
+      <p:sp>
+        <p:nvSpPr>
+          <p:cNvPr id="42" name="Textfeld 41">
+            <a:extLst>
+              <a:ext uri="{FF2B5EF4-FFF2-40B4-BE49-F238E27FC236}">
+                <a16:creationId xmlns:a16="http://schemas.microsoft.com/office/drawing/2014/main" id="{1571CA43-80E5-587C-CFD8-35132C569574}"/>
+              </a:ext>
+            </a:extLst>
+          </p:cNvPr>
+          <p:cNvSpPr txBox="1"/>
+          <p:nvPr/>
+        </p:nvSpPr>
+        <p:spPr>
+          <a:xfrm>
+            <a:off x="3943292" y="3014494"/>
+            <a:ext cx="1797288" cy="400110"/>
+          </a:xfrm>
+          <a:prstGeom prst="rect">
+            <a:avLst/>
+          </a:prstGeom>
+          <a:noFill/>
+        </p:spPr>
+        <p:txBody>
+          <a:bodyPr wrap="none" rtlCol="0">
+            <a:spAutoFit/>
+          </a:bodyPr>
+          <a:lstStyle/>
+          <a:p>
+            <a:pPr algn="ctr"/>
+            <a:r>
+              <a:rPr lang="de-DE" sz="2000" dirty="0">
+                <a:solidFill>
+                  <a:srgbClr val="32414B"/>
+                </a:solidFill>
+                <a:latin typeface="Arial" panose="020B0604020202020204" pitchFamily="34" charset="0"/>
+                <a:cs typeface="Arial" panose="020B0604020202020204" pitchFamily="34" charset="0"/>
+              </a:rPr>
+              <a:t>roceeh2wiki.R</a:t>
+            </a:r>
+          </a:p>
+        </p:txBody>
+      </p:sp>
+    </p:spTree>
+    <p:extLst>
+      <p:ext uri="{BB962C8B-B14F-4D97-AF65-F5344CB8AC3E}">
+        <p14:creationId xmlns:p14="http://schemas.microsoft.com/office/powerpoint/2010/main" val="139920582"/>
+      </p:ext>
+    </p:extLst>
+  </p:cSld>
+  <p:clrMapOvr>
+    <a:masterClrMapping/>
+  </p:clrMapOvr>
+</p:sld>
+</file>
+
+<file path=ppt/slides/slide3.xml><?xml version="1.0" encoding="utf-8"?>
 <p:sld xmlns:a="http://schemas.openxmlformats.org/drawingml/2006/main" xmlns:r="http://schemas.openxmlformats.org/officeDocument/2006/relationships" xmlns:p="http://schemas.openxmlformats.org/presentationml/2006/main">
   <p:cSld>
     <p:spTree>
